--- a/vizsgaremek_docs/budai_jozsef_vizsgaremek_vedes.pptx
+++ b/vizsgaremek_docs/budai_jozsef_vizsgaremek_vedes.pptx
@@ -6340,13 +6340,7 @@
               <a:rPr lang="hu-HU" dirty="0" smtClean="0">
                 <a:latin typeface="Palatino Linotype" panose="02040502050505030304" pitchFamily="18" charset="0"/>
               </a:rPr>
-              <a:t>Automatizált </a:t>
-            </a:r>
-            <a:r>
-              <a:rPr lang="hu-HU" dirty="0" smtClean="0">
-                <a:latin typeface="Palatino Linotype" panose="02040502050505030304" pitchFamily="18" charset="0"/>
-              </a:rPr>
-              <a:t>teszt forráskódjai:</a:t>
+              <a:t>Automatizált teszt forráskódjai:</a:t>
             </a:r>
             <a:r>
               <a:rPr lang="hu-HU" dirty="0"/>

--- a/vizsgaremek_docs/budai_jozsef_vizsgaremek_vedes.pptx
+++ b/vizsgaremek_docs/budai_jozsef_vizsgaremek_vedes.pptx
@@ -5717,21 +5717,21 @@
         </p:nvSpPr>
         <p:spPr>
           <a:xfrm>
-            <a:off x="421716" y="1515244"/>
-            <a:ext cx="3379451" cy="707886"/>
+            <a:off x="421715" y="1515244"/>
+            <a:ext cx="4562409" cy="369332"/>
           </a:xfrm>
           <a:prstGeom prst="rect">
             <a:avLst/>
           </a:prstGeom>
         </p:spPr>
         <p:txBody>
-          <a:bodyPr wrap="none">
+          <a:bodyPr wrap="square">
             <a:spAutoFit/>
           </a:bodyPr>
           <a:lstStyle/>
           <a:p>
             <a:r>
-              <a:rPr lang="hu-HU" sz="2000" dirty="0">
+              <a:rPr lang="hu-HU" dirty="0">
                 <a:solidFill>
                   <a:schemeClr val="tx1">
                     <a:lumMod val="85000"/>
@@ -5742,7 +5742,7 @@
               <a:t>Junior automatizált </a:t>
             </a:r>
             <a:r>
-              <a:rPr lang="hu-HU" sz="2000" dirty="0" smtClean="0">
+              <a:rPr lang="hu-HU" dirty="0" smtClean="0">
                 <a:solidFill>
                   <a:schemeClr val="tx1">
                     <a:lumMod val="85000"/>
@@ -5752,18 +5752,8 @@
               </a:rPr>
               <a:t>tesztelő </a:t>
             </a:r>
-            <a:br>
-              <a:rPr lang="hu-HU" sz="2000" dirty="0" smtClean="0">
-                <a:solidFill>
-                  <a:schemeClr val="tx1">
-                    <a:lumMod val="85000"/>
-                    <a:lumOff val="15000"/>
-                  </a:schemeClr>
-                </a:solidFill>
-              </a:rPr>
-            </a:br>
-            <a:r>
-              <a:rPr lang="hu-HU" sz="2000" dirty="0" smtClean="0">
+            <a:r>
+              <a:rPr lang="hu-HU" dirty="0" smtClean="0">
                 <a:solidFill>
                   <a:schemeClr val="tx1">
                     <a:lumMod val="85000"/>
@@ -5773,7 +5763,7 @@
               </a:rPr>
               <a:t>szakirány</a:t>
             </a:r>
-            <a:endParaRPr lang="hu-HU" sz="2000" dirty="0"/>
+            <a:endParaRPr lang="hu-HU" dirty="0"/>
           </a:p>
         </p:txBody>
       </p:sp>
@@ -5975,28 +5965,36 @@
           </a:p>
         </p:txBody>
       </p:sp>
-      <p:sp>
-        <p:nvSpPr>
-          <p:cNvPr id="3" name="Tartalom helye 2"/>
-          <p:cNvSpPr>
-            <a:spLocks noGrp="1"/>
-          </p:cNvSpPr>
-          <p:nvPr>
-            <p:ph idx="1"/>
-          </p:nvPr>
-        </p:nvSpPr>
-        <p:spPr/>
-        <p:txBody>
-          <a:bodyPr rtlCol="0"/>
-          <a:lstStyle/>
-          <a:p>
-            <a:pPr rtl="0"/>
-            <a:endParaRPr lang="hu-HU" dirty="0">
-              <a:latin typeface="Palatino Linotype" panose="02040502050505030304" pitchFamily="18" charset="0"/>
-            </a:endParaRPr>
-          </a:p>
-        </p:txBody>
-      </p:sp>
+      <p:pic>
+        <p:nvPicPr>
+          <p:cNvPr id="4" name="Kép 3"/>
+          <p:cNvPicPr>
+            <a:picLocks noChangeAspect="1"/>
+          </p:cNvPicPr>
+          <p:nvPr/>
+        </p:nvPicPr>
+        <p:blipFill>
+          <a:blip r:embed="rId3">
+            <a:extLst>
+              <a:ext uri="{28A0092B-C50C-407E-A947-70E740481C1C}">
+                <a14:useLocalDpi xmlns:a14="http://schemas.microsoft.com/office/drawing/2010/main" val="0"/>
+              </a:ext>
+            </a:extLst>
+          </a:blip>
+          <a:stretch>
+            <a:fillRect/>
+          </a:stretch>
+        </p:blipFill>
+        <p:spPr>
+          <a:xfrm>
+            <a:off x="387006" y="1924921"/>
+            <a:ext cx="11417988" cy="3677388"/>
+          </a:xfrm>
+          <a:prstGeom prst="rect">
+            <a:avLst/>
+          </a:prstGeom>
+        </p:spPr>
+      </p:pic>
     </p:spTree>
     <p:extLst>
       <p:ext uri="{BB962C8B-B14F-4D97-AF65-F5344CB8AC3E}">
@@ -6321,7 +6319,7 @@
         </p:spPr>
         <p:txBody>
           <a:bodyPr rtlCol="0">
-            <a:normAutofit fontScale="92500" lnSpcReduction="10000"/>
+            <a:normAutofit fontScale="70000" lnSpcReduction="20000"/>
           </a:bodyPr>
           <a:lstStyle/>
           <a:p>
@@ -6439,7 +6437,44 @@
               <a:rPr lang="hu-HU" dirty="0">
                 <a:hlinkClick r:id="rId5"/>
               </a:rPr>
-              <a:t>https://samsepi0l-2.github.io/conduit</a:t>
+              <a:t>https://</a:t>
+            </a:r>
+            <a:r>
+              <a:rPr lang="hu-HU" dirty="0" smtClean="0">
+                <a:hlinkClick r:id="rId5"/>
+              </a:rPr>
+              <a:t>samsepi0l-2.github.io/conduit</a:t>
+            </a:r>
+            <a:endParaRPr lang="hu-HU" dirty="0" smtClean="0"/>
+          </a:p>
+          <a:p>
+            <a:pPr>
+              <a:lnSpc>
+                <a:spcPct val="150000"/>
+              </a:lnSpc>
+              <a:spcBef>
+                <a:spcPts val="1200"/>
+              </a:spcBef>
+              <a:spcAft>
+                <a:spcPts val="1200"/>
+              </a:spcAft>
+            </a:pPr>
+            <a:r>
+              <a:rPr lang="hu-HU" dirty="0" err="1" smtClean="0"/>
+              <a:t>Readme.MD</a:t>
+            </a:r>
+            <a:r>
+              <a:rPr lang="hu-HU" dirty="0"/>
+              <a:t/>
+            </a:r>
+            <a:br>
+              <a:rPr lang="hu-HU" dirty="0"/>
+            </a:br>
+            <a:r>
+              <a:rPr lang="hu-HU" dirty="0">
+                <a:hlinkClick r:id="rId6"/>
+              </a:rPr>
+              <a:t>https://github.com/samsepi0l-2/conduit#readme</a:t>
             </a:r>
             <a:r>
               <a:rPr lang="hu-HU" dirty="0" smtClean="0"/>
